--- a/clase3/Ensamble learning 2.pptx
+++ b/clase3/Ensamble learning 2.pptx
@@ -6184,10 +6184,18 @@
               <a:buNone/>
             </a:pPr>
             <a:r>
-              <a:rPr b="1" lang="es"/>
+              <a:rPr b="1" lang="es">
+                <a:solidFill>
+                  <a:srgbClr val="0000FF"/>
+                </a:solidFill>
+              </a:rPr>
               <a:t>Ensamble learning</a:t>
             </a:r>
-            <a:endParaRPr b="1"/>
+            <a:endParaRPr b="1">
+              <a:solidFill>
+                <a:srgbClr val="0000FF"/>
+              </a:solidFill>
+            </a:endParaRPr>
           </a:p>
         </p:txBody>
       </p:sp>
@@ -6289,10 +6297,18 @@
               <a:buNone/>
             </a:pPr>
             <a:r>
-              <a:rPr b="1" lang="es"/>
+              <a:rPr b="1" lang="es">
+                <a:solidFill>
+                  <a:srgbClr val="0000FF"/>
+                </a:solidFill>
+              </a:rPr>
               <a:t>Repasando… </a:t>
             </a:r>
-            <a:endParaRPr b="1"/>
+            <a:endParaRPr b="1">
+              <a:solidFill>
+                <a:srgbClr val="0000FF"/>
+              </a:solidFill>
+            </a:endParaRPr>
           </a:p>
         </p:txBody>
       </p:sp>
@@ -6315,18 +6331,18 @@
         </p:spPr>
         <p:txBody>
           <a:bodyPr anchorCtr="0" anchor="t" bIns="91425" lIns="91425" spcFirstLastPara="1" rIns="91425" wrap="square" tIns="91425">
-            <a:normAutofit/>
+            <a:normAutofit fontScale="92500" lnSpcReduction="20000"/>
           </a:bodyPr>
           <a:lstStyle/>
           <a:p>
-            <a:pPr indent="-342900" lvl="0" marL="457200" rtl="0" algn="l">
-              <a:spcBef>
-                <a:spcPts val="0"/>
-              </a:spcBef>
-              <a:spcAft>
-                <a:spcPts val="0"/>
-              </a:spcAft>
-              <a:buSzPts val="1800"/>
+            <a:pPr indent="-334327" lvl="0" marL="457200" rtl="0" algn="l">
+              <a:spcBef>
+                <a:spcPts val="0"/>
+              </a:spcBef>
+              <a:spcAft>
+                <a:spcPts val="0"/>
+              </a:spcAft>
+              <a:buSzPct val="100000"/>
               <a:buChar char="●"/>
             </a:pPr>
             <a:r>
@@ -6336,14 +6352,14 @@
             <a:endParaRPr/>
           </a:p>
           <a:p>
-            <a:pPr indent="-317500" lvl="1" marL="914400" rtl="0" algn="l">
-              <a:spcBef>
-                <a:spcPts val="0"/>
-              </a:spcBef>
-              <a:spcAft>
-                <a:spcPts val="0"/>
-              </a:spcAft>
-              <a:buSzPts val="1400"/>
+            <a:pPr indent="-310832" lvl="1" marL="914400" rtl="0" algn="l">
+              <a:spcBef>
+                <a:spcPts val="0"/>
+              </a:spcBef>
+              <a:spcAft>
+                <a:spcPts val="0"/>
+              </a:spcAft>
+              <a:buSzPct val="100000"/>
               <a:buChar char="○"/>
             </a:pPr>
             <a:r>
@@ -6361,14 +6377,14 @@
             <a:endParaRPr/>
           </a:p>
           <a:p>
-            <a:pPr indent="-317500" lvl="1" marL="914400" rtl="0" algn="l">
-              <a:spcBef>
-                <a:spcPts val="0"/>
-              </a:spcBef>
-              <a:spcAft>
-                <a:spcPts val="0"/>
-              </a:spcAft>
-              <a:buSzPts val="1400"/>
+            <a:pPr indent="-310832" lvl="1" marL="914400" rtl="0" algn="l">
+              <a:spcBef>
+                <a:spcPts val="0"/>
+              </a:spcBef>
+              <a:spcAft>
+                <a:spcPts val="0"/>
+              </a:spcAft>
+              <a:buSzPct val="100000"/>
               <a:buChar char="○"/>
             </a:pPr>
             <a:r>
@@ -6378,14 +6394,14 @@
             <a:endParaRPr/>
           </a:p>
           <a:p>
-            <a:pPr indent="-317500" lvl="1" marL="914400" rtl="0" algn="l">
-              <a:spcBef>
-                <a:spcPts val="0"/>
-              </a:spcBef>
-              <a:spcAft>
-                <a:spcPts val="0"/>
-              </a:spcAft>
-              <a:buSzPts val="1400"/>
+            <a:pPr indent="-310832" lvl="1" marL="914400" rtl="0" algn="l">
+              <a:spcBef>
+                <a:spcPts val="0"/>
+              </a:spcBef>
+              <a:spcAft>
+                <a:spcPts val="0"/>
+              </a:spcAft>
+              <a:buSzPct val="100000"/>
               <a:buChar char="○"/>
             </a:pPr>
             <a:r>
@@ -6395,14 +6411,14 @@
             <a:endParaRPr/>
           </a:p>
           <a:p>
-            <a:pPr indent="-317500" lvl="1" marL="914400" rtl="0" algn="l">
-              <a:spcBef>
-                <a:spcPts val="0"/>
-              </a:spcBef>
-              <a:spcAft>
-                <a:spcPts val="0"/>
-              </a:spcAft>
-              <a:buSzPts val="1400"/>
+            <a:pPr indent="-310832" lvl="1" marL="914400" rtl="0" algn="l">
+              <a:spcBef>
+                <a:spcPts val="0"/>
+              </a:spcBef>
+              <a:spcAft>
+                <a:spcPts val="0"/>
+              </a:spcAft>
+              <a:buSzPct val="100000"/>
               <a:buChar char="○"/>
             </a:pPr>
             <a:r>
@@ -6412,14 +6428,14 @@
             <a:endParaRPr/>
           </a:p>
           <a:p>
-            <a:pPr indent="-317500" lvl="1" marL="914400" rtl="0" algn="l">
-              <a:spcBef>
-                <a:spcPts val="0"/>
-              </a:spcBef>
-              <a:spcAft>
-                <a:spcPts val="0"/>
-              </a:spcAft>
-              <a:buSzPts val="1400"/>
+            <a:pPr indent="-310832" lvl="1" marL="914400" rtl="0" algn="l">
+              <a:spcBef>
+                <a:spcPts val="0"/>
+              </a:spcBef>
+              <a:spcAft>
+                <a:spcPts val="0"/>
+              </a:spcAft>
+              <a:buSzPct val="100000"/>
               <a:buChar char="○"/>
             </a:pPr>
             <a:r>
@@ -6429,19 +6445,53 @@
             <a:endParaRPr/>
           </a:p>
           <a:p>
-            <a:pPr indent="-317500" lvl="1" marL="914400" rtl="0" algn="l">
-              <a:spcBef>
-                <a:spcPts val="0"/>
-              </a:spcBef>
-              <a:spcAft>
-                <a:spcPts val="0"/>
-              </a:spcAft>
-              <a:buSzPts val="1400"/>
+            <a:pPr indent="-310832" lvl="1" marL="914400" rtl="0" algn="l">
+              <a:spcBef>
+                <a:spcPts val="0"/>
+              </a:spcBef>
+              <a:spcAft>
+                <a:spcPts val="0"/>
+              </a:spcAft>
+              <a:buSzPct val="100000"/>
               <a:buChar char="○"/>
             </a:pPr>
             <a:r>
               <a:rPr lang="es"/>
               <a:t>Son modelos poco robustos: un cambio pequeño en los datos que tenemos puede cambiar el árbol final estimado </a:t>
+            </a:r>
+            <a:endParaRPr/>
+          </a:p>
+          <a:p>
+            <a:pPr indent="-334327" lvl="0" marL="457200" rtl="0" algn="l">
+              <a:spcBef>
+                <a:spcPts val="0"/>
+              </a:spcBef>
+              <a:spcAft>
+                <a:spcPts val="0"/>
+              </a:spcAft>
+              <a:buSzPct val="100000"/>
+              <a:buChar char="●"/>
+            </a:pPr>
+            <a:r>
+              <a:rPr lang="es"/>
+              <a:t>Con métodos de averaging, promediamos varios modelos de árboles para hacer uno más robusto. </a:t>
+            </a:r>
+            <a:endParaRPr/>
+          </a:p>
+          <a:p>
+            <a:pPr indent="-310832" lvl="1" marL="914400" rtl="0" algn="l">
+              <a:spcBef>
+                <a:spcPts val="0"/>
+              </a:spcBef>
+              <a:spcAft>
+                <a:spcPts val="0"/>
+              </a:spcAft>
+              <a:buSzPct val="100000"/>
+              <a:buChar char="○"/>
+            </a:pPr>
+            <a:r>
+              <a:rPr lang="es"/>
+              <a:t>Bagging </a:t>
             </a:r>
             <a:endParaRPr/>
           </a:p>
@@ -6505,10 +6555,18 @@
               <a:buNone/>
             </a:pPr>
             <a:r>
-              <a:rPr b="1" lang="es"/>
+              <a:rPr b="1" lang="es">
+                <a:solidFill>
+                  <a:srgbClr val="0000FF"/>
+                </a:solidFill>
+              </a:rPr>
               <a:t>Random Forest</a:t>
             </a:r>
-            <a:endParaRPr b="1"/>
+            <a:endParaRPr b="1">
+              <a:solidFill>
+                <a:srgbClr val="0000FF"/>
+              </a:solidFill>
+            </a:endParaRPr>
           </a:p>
         </p:txBody>
       </p:sp>
@@ -6693,10 +6751,18 @@
               <a:buNone/>
             </a:pPr>
             <a:r>
-              <a:rPr b="1" lang="es"/>
+              <a:rPr b="1" lang="es">
+                <a:solidFill>
+                  <a:srgbClr val="0000FF"/>
+                </a:solidFill>
+              </a:rPr>
               <a:t>Random Forest</a:t>
             </a:r>
-            <a:endParaRPr b="1"/>
+            <a:endParaRPr b="1">
+              <a:solidFill>
+                <a:srgbClr val="0000FF"/>
+              </a:solidFill>
+            </a:endParaRPr>
           </a:p>
         </p:txBody>
       </p:sp>
@@ -6860,10 +6926,18 @@
               <a:buNone/>
             </a:pPr>
             <a:r>
-              <a:rPr b="1" lang="es"/>
+              <a:rPr b="1" lang="es">
+                <a:solidFill>
+                  <a:srgbClr val="0000FF"/>
+                </a:solidFill>
+              </a:rPr>
               <a:t>Random Forest</a:t>
             </a:r>
-            <a:endParaRPr b="1"/>
+            <a:endParaRPr b="1">
+              <a:solidFill>
+                <a:srgbClr val="0000FF"/>
+              </a:solidFill>
+            </a:endParaRPr>
           </a:p>
         </p:txBody>
       </p:sp>
@@ -7085,10 +7159,18 @@
               <a:buNone/>
             </a:pPr>
             <a:r>
-              <a:rPr b="1" lang="es"/>
+              <a:rPr b="1" lang="es">
+                <a:solidFill>
+                  <a:srgbClr val="0000FF"/>
+                </a:solidFill>
+              </a:rPr>
               <a:t>Extra randomized trees</a:t>
             </a:r>
-            <a:endParaRPr b="1"/>
+            <a:endParaRPr b="1">
+              <a:solidFill>
+                <a:srgbClr val="0000FF"/>
+              </a:solidFill>
+            </a:endParaRPr>
           </a:p>
         </p:txBody>
       </p:sp>
@@ -7242,10 +7324,18 @@
               <a:buNone/>
             </a:pPr>
             <a:r>
-              <a:rPr b="1" lang="es"/>
+              <a:rPr b="1" lang="es">
+                <a:solidFill>
+                  <a:srgbClr val="0000FF"/>
+                </a:solidFill>
+              </a:rPr>
               <a:t>¿En qué casos nos conviene usar los ensambles?</a:t>
             </a:r>
-            <a:endParaRPr b="1"/>
+            <a:endParaRPr b="1">
+              <a:solidFill>
+                <a:srgbClr val="0000FF"/>
+              </a:solidFill>
+            </a:endParaRPr>
           </a:p>
         </p:txBody>
       </p:sp>
